--- a/lecture05/웹 기초 5강.pptx
+++ b/lecture05/웹 기초 5강.pptx
@@ -318,7 +318,7 @@
           <a:p>
             <a:fld id="{96DFF08F-DC6B-4601-B491-B0F83F6DD2DA}" type="datetimeFigureOut">
               <a:rPr lang="en-US" dirty="0"/>
-              <a:t>5/16/2021</a:t>
+              <a:t>5/17/2021</a:t>
             </a:fld>
             <a:endParaRPr lang="en-US" dirty="0"/>
           </a:p>
@@ -534,7 +534,7 @@
           <a:p>
             <a:fld id="{96DFF08F-DC6B-4601-B491-B0F83F6DD2DA}" type="datetimeFigureOut">
               <a:rPr lang="en-US" dirty="0"/>
-              <a:t>5/16/2021</a:t>
+              <a:t>5/17/2021</a:t>
             </a:fld>
             <a:endParaRPr lang="en-US" dirty="0"/>
           </a:p>
@@ -709,7 +709,7 @@
           <a:p>
             <a:fld id="{96DFF08F-DC6B-4601-B491-B0F83F6DD2DA}" type="datetimeFigureOut">
               <a:rPr lang="en-US" dirty="0"/>
-              <a:t>5/16/2021</a:t>
+              <a:t>5/17/2021</a:t>
             </a:fld>
             <a:endParaRPr lang="en-US" dirty="0"/>
           </a:p>
@@ -874,7 +874,7 @@
           <a:p>
             <a:fld id="{96DFF08F-DC6B-4601-B491-B0F83F6DD2DA}" type="datetimeFigureOut">
               <a:rPr lang="en-US" dirty="0"/>
-              <a:t>5/16/2021</a:t>
+              <a:t>5/17/2021</a:t>
             </a:fld>
             <a:endParaRPr lang="en-US" dirty="0"/>
           </a:p>
@@ -1120,7 +1120,7 @@
           <a:p>
             <a:fld id="{96DFF08F-DC6B-4601-B491-B0F83F6DD2DA}" type="datetimeFigureOut">
               <a:rPr lang="en-US" dirty="0"/>
-              <a:t>5/16/2021</a:t>
+              <a:t>5/17/2021</a:t>
             </a:fld>
             <a:endParaRPr lang="en-US" dirty="0"/>
           </a:p>
@@ -1438,7 +1438,7 @@
           <a:p>
             <a:fld id="{96DFF08F-DC6B-4601-B491-B0F83F6DD2DA}" type="datetimeFigureOut">
               <a:rPr lang="en-US" dirty="0"/>
-              <a:t>5/16/2021</a:t>
+              <a:t>5/17/2021</a:t>
             </a:fld>
             <a:endParaRPr lang="en-US" dirty="0"/>
           </a:p>
@@ -1857,7 +1857,7 @@
           <a:p>
             <a:fld id="{96DFF08F-DC6B-4601-B491-B0F83F6DD2DA}" type="datetimeFigureOut">
               <a:rPr lang="en-US" dirty="0"/>
-              <a:t>5/16/2021</a:t>
+              <a:t>5/17/2021</a:t>
             </a:fld>
             <a:endParaRPr lang="en-US" dirty="0"/>
           </a:p>
@@ -1970,7 +1970,7 @@
           <a:p>
             <a:fld id="{96DFF08F-DC6B-4601-B491-B0F83F6DD2DA}" type="datetimeFigureOut">
               <a:rPr lang="en-US" dirty="0"/>
-              <a:t>5/16/2021</a:t>
+              <a:t>5/17/2021</a:t>
             </a:fld>
             <a:endParaRPr lang="en-US" dirty="0"/>
           </a:p>
@@ -2060,7 +2060,7 @@
           <a:p>
             <a:fld id="{96DFF08F-DC6B-4601-B491-B0F83F6DD2DA}" type="datetimeFigureOut">
               <a:rPr lang="en-US" dirty="0"/>
-              <a:t>5/16/2021</a:t>
+              <a:t>5/17/2021</a:t>
             </a:fld>
             <a:endParaRPr lang="en-US" dirty="0"/>
           </a:p>
@@ -2345,7 +2345,7 @@
           <a:p>
             <a:fld id="{96DFF08F-DC6B-4601-B491-B0F83F6DD2DA}" type="datetimeFigureOut">
               <a:rPr lang="en-US" dirty="0"/>
-              <a:t>5/16/2021</a:t>
+              <a:t>5/17/2021</a:t>
             </a:fld>
             <a:endParaRPr lang="en-US" dirty="0"/>
           </a:p>
@@ -2612,7 +2612,7 @@
           <a:p>
             <a:fld id="{96DFF08F-DC6B-4601-B491-B0F83F6DD2DA}" type="datetimeFigureOut">
               <a:rPr lang="en-US" dirty="0"/>
-              <a:t>5/16/2021</a:t>
+              <a:t>5/17/2021</a:t>
             </a:fld>
             <a:endParaRPr lang="en-US" dirty="0"/>
           </a:p>
@@ -2862,7 +2862,7 @@
             <a:fld id="{96DFF08F-DC6B-4601-B491-B0F83F6DD2DA}" type="datetimeFigureOut">
               <a:rPr lang="en-US" dirty="0"/>
               <a:pPr/>
-              <a:t>5/16/2021</a:t>
+              <a:t>5/17/2021</a:t>
             </a:fld>
             <a:endParaRPr lang="en-US" dirty="0"/>
           </a:p>
@@ -3519,10 +3519,10 @@
       </p:pic>
       <p:pic>
         <p:nvPicPr>
-          <p:cNvPr id="10" name="그림 9">
+          <p:cNvPr id="7" name="그림 6">
             <a:extLst>
               <a:ext uri="{FF2B5EF4-FFF2-40B4-BE49-F238E27FC236}">
-                <a16:creationId xmlns:a16="http://schemas.microsoft.com/office/drawing/2014/main" id="{92063E49-DA8E-4071-A8C5-149AD4C0F1B5}"/>
+                <a16:creationId xmlns:a16="http://schemas.microsoft.com/office/drawing/2014/main" id="{0B3CA93D-16F4-46BD-98DE-092E4A7396AF}"/>
               </a:ext>
             </a:extLst>
           </p:cNvPr>
@@ -3539,8 +3539,8 @@
         </p:blipFill>
         <p:spPr>
           <a:xfrm>
-            <a:off x="421037" y="1342149"/>
-            <a:ext cx="4626824" cy="5010539"/>
+            <a:off x="431112" y="1342149"/>
+            <a:ext cx="4674178" cy="5039261"/>
           </a:xfrm>
           <a:prstGeom prst="rect">
             <a:avLst/>
